--- a/API REST e possíveis arquiteturas.pptx
+++ b/API REST e possíveis arquiteturas.pptx
@@ -122,6 +122,11 @@
       </a:defRPr>
     </a:lvl9pPr>
   </p:defaultTextStyle>
+  <p:extLst>
+    <p:ext uri="{EFAFB233-063F-42B5-8137-9DF3F51BA10A}">
+      <p15:sldGuideLst xmlns:p15="http://schemas.microsoft.com/office/powerpoint/2012/main"/>
+    </p:ext>
+  </p:extLst>
 </p:presentation>
 </file>
 
@@ -4959,7 +4964,7 @@
           <a:p>
             <a:fld id="{90A3A153-B0D4-47E6-A37E-1EAC0D91B13E}" type="datetimeFigureOut">
               <a:rPr lang="pt-BR" smtClean="0"/>
-              <a:t>17/08/2025</a:t>
+              <a:t>19/08/2025</a:t>
             </a:fld>
             <a:endParaRPr lang="pt-BR"/>
           </a:p>
@@ -5593,7 +5598,7 @@
           <a:p>
             <a:fld id="{E80C50CD-E178-4744-9B35-B2F624D6C5E9}" type="datetimeFigureOut">
               <a:rPr lang="en-US" smtClean="0"/>
-              <a:t>8/16/2025</a:t>
+              <a:t>8/19/2025</a:t>
             </a:fld>
             <a:endParaRPr lang="en-US"/>
           </a:p>
@@ -5791,7 +5796,7 @@
           <a:p>
             <a:fld id="{E80C50CD-E178-4744-9B35-B2F624D6C5E9}" type="datetimeFigureOut">
               <a:rPr lang="en-US" smtClean="0"/>
-              <a:t>8/16/2025</a:t>
+              <a:t>8/19/2025</a:t>
             </a:fld>
             <a:endParaRPr lang="en-US"/>
           </a:p>
@@ -5999,7 +6004,7 @@
           <a:p>
             <a:fld id="{E80C50CD-E178-4744-9B35-B2F624D6C5E9}" type="datetimeFigureOut">
               <a:rPr lang="en-US" smtClean="0"/>
-              <a:t>8/16/2025</a:t>
+              <a:t>8/19/2025</a:t>
             </a:fld>
             <a:endParaRPr lang="en-US"/>
           </a:p>
@@ -6249,7 +6254,7 @@
           <a:p>
             <a:fld id="{E80C50CD-E178-4744-9B35-B2F624D6C5E9}" type="datetimeFigureOut">
               <a:rPr lang="en-US" smtClean="0"/>
-              <a:t>8/16/2025</a:t>
+              <a:t>8/19/2025</a:t>
             </a:fld>
             <a:endParaRPr lang="en-US"/>
           </a:p>
@@ -6528,7 +6533,7 @@
           <a:p>
             <a:fld id="{E80C50CD-E178-4744-9B35-B2F624D6C5E9}" type="datetimeFigureOut">
               <a:rPr lang="en-US" smtClean="0"/>
-              <a:t>8/16/2025</a:t>
+              <a:t>8/19/2025</a:t>
             </a:fld>
             <a:endParaRPr lang="en-US"/>
           </a:p>
@@ -6845,7 +6850,7 @@
           <a:p>
             <a:fld id="{E80C50CD-E178-4744-9B35-B2F624D6C5E9}" type="datetimeFigureOut">
               <a:rPr lang="en-US" smtClean="0"/>
-              <a:t>8/16/2025</a:t>
+              <a:t>8/19/2025</a:t>
             </a:fld>
             <a:endParaRPr lang="en-US"/>
           </a:p>
@@ -7261,7 +7266,7 @@
           <a:p>
             <a:fld id="{E80C50CD-E178-4744-9B35-B2F624D6C5E9}" type="datetimeFigureOut">
               <a:rPr lang="en-US" smtClean="0"/>
-              <a:t>8/16/2025</a:t>
+              <a:t>8/19/2025</a:t>
             </a:fld>
             <a:endParaRPr lang="en-US"/>
           </a:p>
@@ -7402,7 +7407,7 @@
           <a:p>
             <a:fld id="{E80C50CD-E178-4744-9B35-B2F624D6C5E9}" type="datetimeFigureOut">
               <a:rPr lang="en-US" smtClean="0"/>
-              <a:t>8/16/2025</a:t>
+              <a:t>8/19/2025</a:t>
             </a:fld>
             <a:endParaRPr lang="en-US"/>
           </a:p>
@@ -7515,7 +7520,7 @@
           <a:p>
             <a:fld id="{E80C50CD-E178-4744-9B35-B2F624D6C5E9}" type="datetimeFigureOut">
               <a:rPr lang="en-US" smtClean="0"/>
-              <a:t>8/16/2025</a:t>
+              <a:t>8/19/2025</a:t>
             </a:fld>
             <a:endParaRPr lang="en-US"/>
           </a:p>
@@ -7832,7 +7837,7 @@
           <a:p>
             <a:fld id="{E80C50CD-E178-4744-9B35-B2F624D6C5E9}" type="datetimeFigureOut">
               <a:rPr lang="en-US" smtClean="0"/>
-              <a:t>8/16/2025</a:t>
+              <a:t>8/19/2025</a:t>
             </a:fld>
             <a:endParaRPr lang="en-US"/>
           </a:p>
@@ -8124,7 +8129,7 @@
           <a:p>
             <a:fld id="{E80C50CD-E178-4744-9B35-B2F624D6C5E9}" type="datetimeFigureOut">
               <a:rPr lang="en-US" smtClean="0"/>
-              <a:t>8/16/2025</a:t>
+              <a:t>8/19/2025</a:t>
             </a:fld>
             <a:endParaRPr lang="en-US"/>
           </a:p>
@@ -8364,7 +8369,7 @@
             <a:fld id="{E80C50CD-E178-4744-9B35-B2F624D6C5E9}" type="datetimeFigureOut">
               <a:rPr lang="en-US" smtClean="0"/>
               <a:pPr/>
-              <a:t>8/16/2025</a:t>
+              <a:t>8/19/2025</a:t>
             </a:fld>
             <a:endParaRPr lang="en-US"/>
           </a:p>
@@ -9198,13 +9203,13 @@
   <p:clrMapOvr>
     <a:overrideClrMapping bg1="dk1" tx1="lt1" bg2="dk2" tx2="lt2" accent1="accent1" accent2="accent2" accent3="accent3" accent4="accent4" accent5="accent5" accent6="accent6" hlink="hlink" folHlink="folHlink"/>
   </p:clrMapOvr>
-  <mc:AlternateContent xmlns:mc="http://schemas.openxmlformats.org/markup-compatibility/2006">
-    <mc:Choice xmlns:p14="http://schemas.microsoft.com/office/powerpoint/2010/main" Requires="p14">
+  <mc:AlternateContent xmlns:mc="http://schemas.openxmlformats.org/markup-compatibility/2006" xmlns:p14="http://schemas.microsoft.com/office/powerpoint/2010/main">
+    <mc:Choice Requires="p14">
       <p:transition spd="med" p14:dur="700">
         <p:fade/>
       </p:transition>
     </mc:Choice>
-    <mc:Fallback>
+    <mc:Fallback xmlns="">
       <p:transition spd="med">
         <p:fade/>
       </p:transition>
@@ -9482,13 +9487,13 @@
   <p:clrMapOvr>
     <a:masterClrMapping/>
   </p:clrMapOvr>
-  <mc:AlternateContent xmlns:mc="http://schemas.openxmlformats.org/markup-compatibility/2006">
-    <mc:Choice xmlns:p14="http://schemas.microsoft.com/office/powerpoint/2010/main" Requires="p14">
+  <mc:AlternateContent xmlns:mc="http://schemas.openxmlformats.org/markup-compatibility/2006" xmlns:p14="http://schemas.microsoft.com/office/powerpoint/2010/main">
+    <mc:Choice Requires="p14">
       <p:transition spd="med" p14:dur="700">
         <p:fade/>
       </p:transition>
     </mc:Choice>
-    <mc:Fallback>
+    <mc:Fallback xmlns="">
       <p:transition spd="med">
         <p:fade/>
       </p:transition>
@@ -10106,13 +10111,13 @@
   <p:clrMapOvr>
     <a:masterClrMapping/>
   </p:clrMapOvr>
-  <mc:AlternateContent xmlns:mc="http://schemas.openxmlformats.org/markup-compatibility/2006">
-    <mc:Choice xmlns:p14="http://schemas.microsoft.com/office/powerpoint/2010/main" Requires="p14">
+  <mc:AlternateContent xmlns:mc="http://schemas.openxmlformats.org/markup-compatibility/2006" xmlns:p14="http://schemas.microsoft.com/office/powerpoint/2010/main">
+    <mc:Choice Requires="p14">
       <p:transition spd="med" p14:dur="700">
         <p:fade/>
       </p:transition>
     </mc:Choice>
-    <mc:Fallback>
+    <mc:Fallback xmlns="">
       <p:transition spd="med">
         <p:fade/>
       </p:transition>
@@ -10627,13 +10632,13 @@
   <p:clrMapOvr>
     <a:masterClrMapping/>
   </p:clrMapOvr>
-  <mc:AlternateContent xmlns:mc="http://schemas.openxmlformats.org/markup-compatibility/2006">
-    <mc:Choice xmlns:p14="http://schemas.microsoft.com/office/powerpoint/2010/main" Requires="p14">
+  <mc:AlternateContent xmlns:mc="http://schemas.openxmlformats.org/markup-compatibility/2006" xmlns:p14="http://schemas.microsoft.com/office/powerpoint/2010/main">
+    <mc:Choice Requires="p14">
       <p:transition spd="med" p14:dur="700">
         <p:fade/>
       </p:transition>
     </mc:Choice>
-    <mc:Fallback>
+    <mc:Fallback xmlns="">
       <p:transition spd="med">
         <p:fade/>
       </p:transition>
@@ -11134,13 +11139,13 @@
   <p:clrMapOvr>
     <a:masterClrMapping/>
   </p:clrMapOvr>
-  <mc:AlternateContent xmlns:mc="http://schemas.openxmlformats.org/markup-compatibility/2006">
-    <mc:Choice xmlns:p14="http://schemas.microsoft.com/office/powerpoint/2010/main" Requires="p14">
+  <mc:AlternateContent xmlns:mc="http://schemas.openxmlformats.org/markup-compatibility/2006" xmlns:p14="http://schemas.microsoft.com/office/powerpoint/2010/main">
+    <mc:Choice Requires="p14">
       <p:transition spd="med" p14:dur="700">
         <p:fade/>
       </p:transition>
     </mc:Choice>
-    <mc:Fallback>
+    <mc:Fallback xmlns="">
       <p:transition spd="med">
         <p:fade/>
       </p:transition>
@@ -11611,13 +11616,13 @@
   <p:clrMapOvr>
     <a:masterClrMapping/>
   </p:clrMapOvr>
-  <mc:AlternateContent xmlns:mc="http://schemas.openxmlformats.org/markup-compatibility/2006">
-    <mc:Choice xmlns:p14="http://schemas.microsoft.com/office/powerpoint/2010/main" Requires="p14">
+  <mc:AlternateContent xmlns:mc="http://schemas.openxmlformats.org/markup-compatibility/2006" xmlns:p14="http://schemas.microsoft.com/office/powerpoint/2010/main">
+    <mc:Choice Requires="p14">
       <p:transition spd="med" p14:dur="700">
         <p:fade/>
       </p:transition>
     </mc:Choice>
-    <mc:Fallback>
+    <mc:Fallback xmlns="">
       <p:transition spd="med">
         <p:fade/>
       </p:transition>
@@ -12267,13 +12272,13 @@
   <p:clrMapOvr>
     <a:masterClrMapping/>
   </p:clrMapOvr>
-  <mc:AlternateContent xmlns:mc="http://schemas.openxmlformats.org/markup-compatibility/2006">
-    <mc:Choice xmlns:p14="http://schemas.microsoft.com/office/powerpoint/2010/main" Requires="p14">
+  <mc:AlternateContent xmlns:mc="http://schemas.openxmlformats.org/markup-compatibility/2006" xmlns:p14="http://schemas.microsoft.com/office/powerpoint/2010/main">
+    <mc:Choice Requires="p14">
       <p:transition spd="med" p14:dur="700">
         <p:fade/>
       </p:transition>
     </mc:Choice>
-    <mc:Fallback>
+    <mc:Fallback xmlns="">
       <p:transition spd="med">
         <p:fade/>
       </p:transition>
@@ -13979,13 +13984,13 @@
   <p:clrMapOvr>
     <a:masterClrMapping/>
   </p:clrMapOvr>
-  <mc:AlternateContent xmlns:mc="http://schemas.openxmlformats.org/markup-compatibility/2006">
-    <mc:Choice xmlns:p14="http://schemas.microsoft.com/office/powerpoint/2010/main" Requires="p14">
+  <mc:AlternateContent xmlns:mc="http://schemas.openxmlformats.org/markup-compatibility/2006" xmlns:p14="http://schemas.microsoft.com/office/powerpoint/2010/main">
+    <mc:Choice Requires="p14">
       <p:transition spd="med" p14:dur="700">
         <p:fade/>
       </p:transition>
     </mc:Choice>
-    <mc:Fallback>
+    <mc:Fallback xmlns="">
       <p:transition spd="med">
         <p:fade/>
       </p:transition>
@@ -15361,13 +15366,13 @@
   <p:clrMapOvr>
     <a:masterClrMapping/>
   </p:clrMapOvr>
-  <mc:AlternateContent xmlns:mc="http://schemas.openxmlformats.org/markup-compatibility/2006">
-    <mc:Choice xmlns:p14="http://schemas.microsoft.com/office/powerpoint/2010/main" Requires="p14">
+  <mc:AlternateContent xmlns:mc="http://schemas.openxmlformats.org/markup-compatibility/2006" xmlns:p14="http://schemas.microsoft.com/office/powerpoint/2010/main">
+    <mc:Choice Requires="p14">
       <p:transition spd="med" p14:dur="700">
         <p:fade/>
       </p:transition>
     </mc:Choice>
-    <mc:Fallback>
+    <mc:Fallback xmlns="">
       <p:transition spd="med">
         <p:fade/>
       </p:transition>
@@ -16568,13 +16573,13 @@
   <p:clrMapOvr>
     <a:masterClrMapping/>
   </p:clrMapOvr>
-  <mc:AlternateContent xmlns:mc="http://schemas.openxmlformats.org/markup-compatibility/2006">
-    <mc:Choice xmlns:p14="http://schemas.microsoft.com/office/powerpoint/2010/main" Requires="p14">
+  <mc:AlternateContent xmlns:mc="http://schemas.openxmlformats.org/markup-compatibility/2006" xmlns:p14="http://schemas.microsoft.com/office/powerpoint/2010/main">
+    <mc:Choice Requires="p14">
       <p:transition spd="med" p14:dur="700">
         <p:fade/>
       </p:transition>
     </mc:Choice>
-    <mc:Fallback>
+    <mc:Fallback xmlns="">
       <p:transition spd="med">
         <p:fade/>
       </p:transition>
@@ -16915,13 +16920,13 @@
   <p:clrMapOvr>
     <a:masterClrMapping/>
   </p:clrMapOvr>
-  <mc:AlternateContent xmlns:mc="http://schemas.openxmlformats.org/markup-compatibility/2006">
-    <mc:Choice xmlns:p14="http://schemas.microsoft.com/office/powerpoint/2010/main" Requires="p14">
+  <mc:AlternateContent xmlns:mc="http://schemas.openxmlformats.org/markup-compatibility/2006" xmlns:p14="http://schemas.microsoft.com/office/powerpoint/2010/main">
+    <mc:Choice Requires="p14">
       <p:transition spd="med" p14:dur="700">
         <p:fade/>
       </p:transition>
     </mc:Choice>
-    <mc:Fallback>
+    <mc:Fallback xmlns="">
       <p:transition spd="med">
         <p:fade/>
       </p:transition>
@@ -17464,13 +17469,13 @@
   <p:clrMapOvr>
     <a:masterClrMapping/>
   </p:clrMapOvr>
-  <mc:AlternateContent xmlns:mc="http://schemas.openxmlformats.org/markup-compatibility/2006">
-    <mc:Choice xmlns:p14="http://schemas.microsoft.com/office/powerpoint/2010/main" Requires="p14">
+  <mc:AlternateContent xmlns:mc="http://schemas.openxmlformats.org/markup-compatibility/2006" xmlns:p14="http://schemas.microsoft.com/office/powerpoint/2010/main">
+    <mc:Choice Requires="p14">
       <p:transition spd="med" p14:dur="700">
         <p:fade/>
       </p:transition>
     </mc:Choice>
-    <mc:Fallback>
+    <mc:Fallback xmlns="">
       <p:transition spd="med">
         <p:fade/>
       </p:transition>
@@ -18162,13 +18167,13 @@
   <p:clrMapOvr>
     <a:masterClrMapping/>
   </p:clrMapOvr>
-  <mc:AlternateContent xmlns:mc="http://schemas.openxmlformats.org/markup-compatibility/2006">
-    <mc:Choice xmlns:p14="http://schemas.microsoft.com/office/powerpoint/2010/main" Requires="p14">
+  <mc:AlternateContent xmlns:mc="http://schemas.openxmlformats.org/markup-compatibility/2006" xmlns:p14="http://schemas.microsoft.com/office/powerpoint/2010/main">
+    <mc:Choice Requires="p14">
       <p:transition spd="med" p14:dur="700">
         <p:fade/>
       </p:transition>
     </mc:Choice>
-    <mc:Fallback>
+    <mc:Fallback xmlns="">
       <p:transition spd="med">
         <p:fade/>
       </p:transition>
@@ -18904,13 +18909,13 @@
   <p:clrMapOvr>
     <a:masterClrMapping/>
   </p:clrMapOvr>
-  <mc:AlternateContent xmlns:mc="http://schemas.openxmlformats.org/markup-compatibility/2006">
-    <mc:Choice xmlns:p14="http://schemas.microsoft.com/office/powerpoint/2010/main" Requires="p14">
+  <mc:AlternateContent xmlns:mc="http://schemas.openxmlformats.org/markup-compatibility/2006" xmlns:p14="http://schemas.microsoft.com/office/powerpoint/2010/main">
+    <mc:Choice Requires="p14">
       <p:transition spd="med" p14:dur="700">
         <p:fade/>
       </p:transition>
     </mc:Choice>
-    <mc:Fallback>
+    <mc:Fallback xmlns="">
       <p:transition spd="med">
         <p:fade/>
       </p:transition>
@@ -19582,13 +19587,13 @@
   <p:clrMapOvr>
     <a:masterClrMapping/>
   </p:clrMapOvr>
-  <mc:AlternateContent xmlns:mc="http://schemas.openxmlformats.org/markup-compatibility/2006">
-    <mc:Choice xmlns:p14="http://schemas.microsoft.com/office/powerpoint/2010/main" Requires="p14">
+  <mc:AlternateContent xmlns:mc="http://schemas.openxmlformats.org/markup-compatibility/2006" xmlns:p14="http://schemas.microsoft.com/office/powerpoint/2010/main">
+    <mc:Choice Requires="p14">
       <p:transition spd="med" p14:dur="700">
         <p:fade/>
       </p:transition>
     </mc:Choice>
-    <mc:Fallback>
+    <mc:Fallback xmlns="">
       <p:transition spd="med">
         <p:fade/>
       </p:transition>
@@ -20038,13 +20043,13 @@
   <p:clrMapOvr>
     <a:masterClrMapping/>
   </p:clrMapOvr>
-  <mc:AlternateContent xmlns:mc="http://schemas.openxmlformats.org/markup-compatibility/2006">
-    <mc:Choice xmlns:p14="http://schemas.microsoft.com/office/powerpoint/2010/main" Requires="p14">
+  <mc:AlternateContent xmlns:mc="http://schemas.openxmlformats.org/markup-compatibility/2006" xmlns:p14="http://schemas.microsoft.com/office/powerpoint/2010/main">
+    <mc:Choice Requires="p14">
       <p:transition spd="med" p14:dur="700">
         <p:fade/>
       </p:transition>
     </mc:Choice>
-    <mc:Fallback>
+    <mc:Fallback xmlns="">
       <p:transition spd="med">
         <p:fade/>
       </p:transition>
